--- a/OCP17/old progress/JSE17 Migration.pptx
+++ b/OCP17/old progress/JSE17 Migration.pptx
@@ -3077,7 +3077,7 @@
           </a:lstStyle>
           <a:p>
             <a:fld id="{9ACA2D73-2532-A640-A667-27AB4D0D333F}" type="datetimeFigureOut">
-              <a:t>2/8/25</a:t>
+              <a:t>9/11/25</a:t>
             </a:fld>
             <a:endParaRPr lang="en-VN"/>
           </a:p>
@@ -3489,10 +3489,6 @@
           <a:bodyPr/>
           <a:lstStyle/>
           <a:p>
-            <a:r>
-              <a:rPr lang="en-US"/>
-              <a:t>NOTE 1: https://docs.oracle.com/javase/specs/jls/se17/html/jls-6.html#jls-6.3.2:~:text=a%20when%20false.-,6.3.2.%C2%A0Scope%20for%20Pattern%20Variables%20in%20Statements,-Only%20a%20few</a:t>
-            </a:r>
             <a:endParaRPr lang="en-VN"/>
           </a:p>
         </p:txBody>
@@ -6590,7 +6586,7 @@
           <a:p>
             <a:fld id="{BAA8DE05-51EE-4692-B197-877FA1DAAAED}" type="datetimeFigureOut">
               <a:rPr lang="en-US" smtClean="0"/>
-              <a:t>8/2/25</a:t>
+              <a:t>11/9/25</a:t>
             </a:fld>
             <a:endParaRPr lang="en-US"/>
           </a:p>
@@ -6788,7 +6784,7 @@
           <a:p>
             <a:fld id="{BAA8DE05-51EE-4692-B197-877FA1DAAAED}" type="datetimeFigureOut">
               <a:rPr lang="en-US" smtClean="0"/>
-              <a:t>8/2/25</a:t>
+              <a:t>11/9/25</a:t>
             </a:fld>
             <a:endParaRPr lang="en-US"/>
           </a:p>
@@ -6996,7 +6992,7 @@
           <a:p>
             <a:fld id="{BAA8DE05-51EE-4692-B197-877FA1DAAAED}" type="datetimeFigureOut">
               <a:rPr lang="en-US" smtClean="0"/>
-              <a:t>8/2/25</a:t>
+              <a:t>11/9/25</a:t>
             </a:fld>
             <a:endParaRPr lang="en-US"/>
           </a:p>
@@ -7194,7 +7190,7 @@
           <a:p>
             <a:fld id="{BAA8DE05-51EE-4692-B197-877FA1DAAAED}" type="datetimeFigureOut">
               <a:rPr lang="en-US" smtClean="0"/>
-              <a:t>8/2/25</a:t>
+              <a:t>11/9/25</a:t>
             </a:fld>
             <a:endParaRPr lang="en-US"/>
           </a:p>
@@ -7469,7 +7465,7 @@
           <a:p>
             <a:fld id="{BAA8DE05-51EE-4692-B197-877FA1DAAAED}" type="datetimeFigureOut">
               <a:rPr lang="en-US" smtClean="0"/>
-              <a:t>8/2/25</a:t>
+              <a:t>11/9/25</a:t>
             </a:fld>
             <a:endParaRPr lang="en-US"/>
           </a:p>
@@ -7734,7 +7730,7 @@
           <a:p>
             <a:fld id="{BAA8DE05-51EE-4692-B197-877FA1DAAAED}" type="datetimeFigureOut">
               <a:rPr lang="en-US" smtClean="0"/>
-              <a:t>8/2/25</a:t>
+              <a:t>11/9/25</a:t>
             </a:fld>
             <a:endParaRPr lang="en-US"/>
           </a:p>
@@ -8146,7 +8142,7 @@
           <a:p>
             <a:fld id="{BAA8DE05-51EE-4692-B197-877FA1DAAAED}" type="datetimeFigureOut">
               <a:rPr lang="en-US" smtClean="0"/>
-              <a:t>8/2/25</a:t>
+              <a:t>11/9/25</a:t>
             </a:fld>
             <a:endParaRPr lang="en-US"/>
           </a:p>
@@ -8287,7 +8283,7 @@
           <a:p>
             <a:fld id="{BAA8DE05-51EE-4692-B197-877FA1DAAAED}" type="datetimeFigureOut">
               <a:rPr lang="en-US" smtClean="0"/>
-              <a:t>8/2/25</a:t>
+              <a:t>11/9/25</a:t>
             </a:fld>
             <a:endParaRPr lang="en-US"/>
           </a:p>
@@ -8400,7 +8396,7 @@
           <a:p>
             <a:fld id="{BAA8DE05-51EE-4692-B197-877FA1DAAAED}" type="datetimeFigureOut">
               <a:rPr lang="en-US" smtClean="0"/>
-              <a:t>8/2/25</a:t>
+              <a:t>11/9/25</a:t>
             </a:fld>
             <a:endParaRPr lang="en-US"/>
           </a:p>
@@ -8711,7 +8707,7 @@
           <a:p>
             <a:fld id="{BAA8DE05-51EE-4692-B197-877FA1DAAAED}" type="datetimeFigureOut">
               <a:rPr lang="en-US" smtClean="0"/>
-              <a:t>8/2/25</a:t>
+              <a:t>11/9/25</a:t>
             </a:fld>
             <a:endParaRPr lang="en-US"/>
           </a:p>
@@ -8999,7 +8995,7 @@
           <a:p>
             <a:fld id="{BAA8DE05-51EE-4692-B197-877FA1DAAAED}" type="datetimeFigureOut">
               <a:rPr lang="en-US" smtClean="0"/>
-              <a:t>8/2/25</a:t>
+              <a:t>11/9/25</a:t>
             </a:fld>
             <a:endParaRPr lang="en-US"/>
           </a:p>
@@ -9240,7 +9236,7 @@
           <a:p>
             <a:fld id="{BAA8DE05-51EE-4692-B197-877FA1DAAAED}" type="datetimeFigureOut">
               <a:rPr lang="en-US" smtClean="0"/>
-              <a:t>8/2/25</a:t>
+              <a:t>11/9/25</a:t>
             </a:fld>
             <a:endParaRPr lang="en-US"/>
           </a:p>
@@ -11224,7 +11220,7 @@
               <a:rPr lang="en-US" sz="1800">
                 <a:sym typeface="Wingdings" pitchFamily="2" charset="2"/>
               </a:rPr>
-              <a:t>- The scope of ... is defined ... (note 1)</a:t>
+              <a:t>- The reason why Java design it like this is because ...: if ... complete ... =&gt; it must be, ... otherwise, Java won't know ...</a:t>
             </a:r>
           </a:p>
           <a:p>
@@ -11323,7 +11319,7 @@
               <a:rPr lang="en-US" sz="1800">
                 <a:sym typeface="Wingdings" pitchFamily="2" charset="2"/>
               </a:rPr>
-              <a:t>+)</a:t>
+              <a:t>+) If .. branch doesnt throw ... =&gt; return ... (except is we use local .. type ...)</a:t>
             </a:r>
           </a:p>
           <a:p>
@@ -11332,7 +11328,7 @@
               <a:rPr lang="en-US" sz="1800">
                 <a:sym typeface="Wingdings" pitchFamily="2" charset="2"/>
               </a:rPr>
-              <a:t>+)</a:t>
+              <a:t>+) If switch ... value =&gt; all branch that is not a ... must ... value </a:t>
             </a:r>
           </a:p>
           <a:p>
@@ -11341,7 +11337,7 @@
               <a:rPr lang="en-US" sz="1800">
                 <a:sym typeface="Wingdings" pitchFamily="2" charset="2"/>
               </a:rPr>
-              <a:t>+)</a:t>
+              <a:t>+) (note: what does it mean by: "cover all..." ? This is because switch is ... type =&gt; There will be case where ... not needed</a:t>
             </a:r>
           </a:p>
           <a:p>
@@ -16017,7 +16013,7 @@
               <a:rPr lang="en-US" sz="1800">
                 <a:sym typeface="Wingdings" pitchFamily="2" charset="2"/>
               </a:rPr>
-              <a:t>- Also, if we try to specify .... length ... than =&gt; Space ...</a:t>
+              <a:t>- Rule when using ... format:</a:t>
             </a:r>
           </a:p>
           <a:p>
@@ -16026,7 +16022,25 @@
               <a:rPr lang="en-US" sz="1800">
                 <a:sym typeface="Wingdings" pitchFamily="2" charset="2"/>
               </a:rPr>
-              <a:t>(we can add 0 ...)</a:t>
+              <a:t>+) %a.bf</a:t>
+            </a:r>
+          </a:p>
+          <a:p>
+            <a:pPr algn="l"/>
+            <a:r>
+              <a:rPr lang="en-US" sz="1800">
+                <a:sym typeface="Wingdings" pitchFamily="2" charset="2"/>
+              </a:rPr>
+              <a:t>if a &gt; b =&gt; ?</a:t>
+            </a:r>
+          </a:p>
+          <a:p>
+            <a:pPr algn="l"/>
+            <a:r>
+              <a:rPr lang="en-US" sz="1800">
+                <a:sym typeface="Wingdings" pitchFamily="2" charset="2"/>
+              </a:rPr>
+              <a:t>if a &lt; b =&gt; ?</a:t>
             </a:r>
           </a:p>
           <a:p>
@@ -16283,6 +16297,104 @@
                                           <p:spTgt spid="4">
                                             <p:txEl>
                                               <p:pRg st="4" end="4"/>
+                                            </p:txEl>
+                                          </p:spTgt>
+                                        </p:tgtEl>
+                                        <p:attrNameLst>
+                                          <p:attrName>style.visibility</p:attrName>
+                                        </p:attrNameLst>
+                                      </p:cBhvr>
+                                      <p:to>
+                                        <p:strVal val="visible"/>
+                                      </p:to>
+                                    </p:set>
+                                  </p:childTnLst>
+                                </p:cTn>
+                              </p:par>
+                            </p:childTnLst>
+                          </p:cTn>
+                        </p:par>
+                      </p:childTnLst>
+                    </p:cTn>
+                  </p:par>
+                  <p:par>
+                    <p:cTn id="23" fill="hold">
+                      <p:stCondLst>
+                        <p:cond delay="indefinite"/>
+                      </p:stCondLst>
+                      <p:childTnLst>
+                        <p:par>
+                          <p:cTn id="24" fill="hold">
+                            <p:stCondLst>
+                              <p:cond delay="0"/>
+                            </p:stCondLst>
+                            <p:childTnLst>
+                              <p:par>
+                                <p:cTn id="25" presetID="1" presetClass="entr" presetSubtype="0" fill="hold" nodeType="clickEffect">
+                                  <p:stCondLst>
+                                    <p:cond delay="0"/>
+                                  </p:stCondLst>
+                                  <p:childTnLst>
+                                    <p:set>
+                                      <p:cBhvr>
+                                        <p:cTn id="26" dur="1" fill="hold">
+                                          <p:stCondLst>
+                                            <p:cond delay="0"/>
+                                          </p:stCondLst>
+                                        </p:cTn>
+                                        <p:tgtEl>
+                                          <p:spTgt spid="4">
+                                            <p:txEl>
+                                              <p:pRg st="5" end="5"/>
+                                            </p:txEl>
+                                          </p:spTgt>
+                                        </p:tgtEl>
+                                        <p:attrNameLst>
+                                          <p:attrName>style.visibility</p:attrName>
+                                        </p:attrNameLst>
+                                      </p:cBhvr>
+                                      <p:to>
+                                        <p:strVal val="visible"/>
+                                      </p:to>
+                                    </p:set>
+                                  </p:childTnLst>
+                                </p:cTn>
+                              </p:par>
+                            </p:childTnLst>
+                          </p:cTn>
+                        </p:par>
+                      </p:childTnLst>
+                    </p:cTn>
+                  </p:par>
+                  <p:par>
+                    <p:cTn id="27" fill="hold">
+                      <p:stCondLst>
+                        <p:cond delay="indefinite"/>
+                      </p:stCondLst>
+                      <p:childTnLst>
+                        <p:par>
+                          <p:cTn id="28" fill="hold">
+                            <p:stCondLst>
+                              <p:cond delay="0"/>
+                            </p:stCondLst>
+                            <p:childTnLst>
+                              <p:par>
+                                <p:cTn id="29" presetID="1" presetClass="entr" presetSubtype="0" fill="hold" nodeType="clickEffect">
+                                  <p:stCondLst>
+                                    <p:cond delay="0"/>
+                                  </p:stCondLst>
+                                  <p:childTnLst>
+                                    <p:set>
+                                      <p:cBhvr>
+                                        <p:cTn id="30" dur="1" fill="hold">
+                                          <p:stCondLst>
+                                            <p:cond delay="0"/>
+                                          </p:stCondLst>
+                                        </p:cTn>
+                                        <p:tgtEl>
+                                          <p:spTgt spid="4">
+                                            <p:txEl>
+                                              <p:pRg st="6" end="6"/>
                                             </p:txEl>
                                           </p:spTgt>
                                         </p:tgtEl>
@@ -28229,7 +28341,7 @@
         </p:spPr>
         <p:txBody>
           <a:bodyPr vert="horz" lIns="91440" tIns="45720" rIns="91440" bIns="45720" rtlCol="0">
-            <a:normAutofit/>
+            <a:normAutofit lnSpcReduction="10000"/>
           </a:bodyPr>
           <a:lstStyle>
             <a:lvl1pPr marL="0" indent="0" algn="ctr" defTabSz="914400" rtl="0" eaLnBrk="1" latinLnBrk="0" hangingPunct="1">
@@ -28516,6 +28628,15 @@
                 <a:sym typeface="Wingdings" pitchFamily="2" charset="2"/>
               </a:rPr>
               <a:t>(NOTE: ... time zone ? ... time zone)</a:t>
+            </a:r>
+          </a:p>
+          <a:p>
+            <a:pPr algn="l"/>
+            <a:r>
+              <a:rPr lang="en-US" sz="1800">
+                <a:sym typeface="Wingdings" pitchFamily="2" charset="2"/>
+              </a:rPr>
+              <a:t>NOTE 2: If we change ... directly on Local ... =&gt; The result will be ... since Local... only ... while ...DateTime... also...</a:t>
             </a:r>
           </a:p>
           <a:p>
@@ -29181,6 +29302,55 @@
                       </p:childTnLst>
                     </p:cTn>
                   </p:par>
+                  <p:par>
+                    <p:cTn id="55" fill="hold">
+                      <p:stCondLst>
+                        <p:cond delay="indefinite"/>
+                      </p:stCondLst>
+                      <p:childTnLst>
+                        <p:par>
+                          <p:cTn id="56" fill="hold">
+                            <p:stCondLst>
+                              <p:cond delay="0"/>
+                            </p:stCondLst>
+                            <p:childTnLst>
+                              <p:par>
+                                <p:cTn id="57" presetID="1" presetClass="entr" presetSubtype="0" fill="hold" nodeType="clickEffect">
+                                  <p:stCondLst>
+                                    <p:cond delay="0"/>
+                                  </p:stCondLst>
+                                  <p:childTnLst>
+                                    <p:set>
+                                      <p:cBhvr>
+                                        <p:cTn id="58" dur="1" fill="hold">
+                                          <p:stCondLst>
+                                            <p:cond delay="0"/>
+                                          </p:stCondLst>
+                                        </p:cTn>
+                                        <p:tgtEl>
+                                          <p:spTgt spid="4">
+                                            <p:txEl>
+                                              <p:pRg st="14" end="14"/>
+                                            </p:txEl>
+                                          </p:spTgt>
+                                        </p:tgtEl>
+                                        <p:attrNameLst>
+                                          <p:attrName>style.visibility</p:attrName>
+                                        </p:attrNameLst>
+                                      </p:cBhvr>
+                                      <p:to>
+                                        <p:strVal val="visible"/>
+                                      </p:to>
+                                    </p:set>
+                                  </p:childTnLst>
+                                </p:cTn>
+                              </p:par>
+                            </p:childTnLst>
+                          </p:cTn>
+                        </p:par>
+                      </p:childTnLst>
+                    </p:cTn>
+                  </p:par>
                 </p:childTnLst>
               </p:cTn>
               <p:prevCondLst>
@@ -29466,9 +29636,12 @@
           </a:p>
           <a:p>
             <a:pPr algn="l"/>
-            <a:endParaRPr lang="en-US" sz="1800">
-              <a:sym typeface="Wingdings" pitchFamily="2" charset="2"/>
-            </a:endParaRPr>
+            <a:r>
+              <a:rPr lang="en-US" sz="1800">
+                <a:sym typeface="Wingdings" pitchFamily="2" charset="2"/>
+              </a:rPr>
+              <a:t>NOTE: We can cast ... into float without ... (JLS) (we havent seen this) =&gt; applicable to method ... type</a:t>
+            </a:r>
           </a:p>
           <a:p>
             <a:pPr algn="l"/>
@@ -29545,7 +29718,7 @@
               <a:rPr lang="en-US" sz="1800">
                 <a:sym typeface="Wingdings" pitchFamily="2" charset="2"/>
               </a:rPr>
-              <a:t>- The book said that function ... is local ... that has been ...(although techincally it is ...)</a:t>
+              <a:t>- The book said that function ... is local ... that has been ...</a:t>
             </a:r>
           </a:p>
           <a:p>
@@ -29554,7 +29727,7 @@
               <a:rPr lang="en-US" sz="1800">
                 <a:sym typeface="Wingdings" pitchFamily="2" charset="2"/>
               </a:rPr>
-              <a:t>- JLS specifies that the value ... will be used for .... when the method ... before ...</a:t>
+              <a:t>- Now, we know that a method ... is ... (JLS)</a:t>
             </a:r>
           </a:p>
           <a:p>
@@ -29563,41 +29736,8 @@
               <a:rPr lang="en-US" sz="1800">
                 <a:sym typeface="Wingdings" pitchFamily="2" charset="2"/>
               </a:rPr>
-              <a:t>- JLS also specifies that parameter is definitely ... and not definitely ...</a:t>
+              <a:t>- JLS specifically define that a method ... is a ... that will use the value ... to ...</a:t>
             </a:r>
-          </a:p>
-          <a:p>
-            <a:pPr algn="l"/>
-            <a:r>
-              <a:rPr lang="en-US" sz="1800">
-                <a:sym typeface="Wingdings" pitchFamily="2" charset="2"/>
-              </a:rPr>
-              <a:t>+) definitely ... is ...</a:t>
-            </a:r>
-          </a:p>
-          <a:p>
-            <a:pPr algn="l"/>
-            <a:r>
-              <a:rPr lang="en-US" sz="1800">
-                <a:sym typeface="Wingdings" pitchFamily="2" charset="2"/>
-              </a:rPr>
-              <a:t>+) definitely ... is ...</a:t>
-            </a:r>
-          </a:p>
-          <a:p>
-            <a:pPr algn="l"/>
-            <a:r>
-              <a:rPr lang="en-US" sz="1800">
-                <a:sym typeface="Wingdings" pitchFamily="2" charset="2"/>
-              </a:rPr>
-              <a:t>=&gt; Parameter must be ... before and can be ... because of ...</a:t>
-            </a:r>
-          </a:p>
-          <a:p>
-            <a:pPr algn="l"/>
-            <a:endParaRPr lang="en-US" sz="1800">
-              <a:sym typeface="Wingdings" pitchFamily="2" charset="2"/>
-            </a:endParaRPr>
           </a:p>
         </p:txBody>
       </p:sp>
@@ -29696,7 +29836,7 @@
                                         <p:tgtEl>
                                           <p:spTgt spid="4">
                                             <p:txEl>
-                                              <p:pRg st="2" end="2"/>
+                                              <p:pRg st="1" end="1"/>
                                             </p:txEl>
                                           </p:spTgt>
                                         </p:tgtEl>
@@ -29745,7 +29885,7 @@
                                         <p:tgtEl>
                                           <p:spTgt spid="4">
                                             <p:txEl>
-                                              <p:pRg st="3" end="3"/>
+                                              <p:pRg st="2" end="2"/>
                                             </p:txEl>
                                           </p:spTgt>
                                         </p:tgtEl>
@@ -29794,7 +29934,7 @@
                                         <p:tgtEl>
                                           <p:spTgt spid="4">
                                             <p:txEl>
-                                              <p:pRg st="4" end="4"/>
+                                              <p:pRg st="3" end="3"/>
                                             </p:txEl>
                                           </p:spTgt>
                                         </p:tgtEl>
@@ -29843,7 +29983,7 @@
                                         <p:tgtEl>
                                           <p:spTgt spid="4">
                                             <p:txEl>
-                                              <p:pRg st="6" end="6"/>
+                                              <p:pRg st="4" end="4"/>
                                             </p:txEl>
                                           </p:spTgt>
                                         </p:tgtEl>
@@ -29892,7 +30032,7 @@
                                         <p:tgtEl>
                                           <p:spTgt spid="4">
                                             <p:txEl>
-                                              <p:pRg st="7" end="7"/>
+                                              <p:pRg st="6" end="6"/>
                                             </p:txEl>
                                           </p:spTgt>
                                         </p:tgtEl>
@@ -29941,7 +30081,7 @@
                                         <p:tgtEl>
                                           <p:spTgt spid="4">
                                             <p:txEl>
-                                              <p:pRg st="8" end="8"/>
+                                              <p:pRg st="7" end="7"/>
                                             </p:txEl>
                                           </p:spTgt>
                                         </p:tgtEl>
@@ -29990,7 +30130,7 @@
                                         <p:tgtEl>
                                           <p:spTgt spid="4">
                                             <p:txEl>
-                                              <p:pRg st="9" end="9"/>
+                                              <p:pRg st="8" end="8"/>
                                             </p:txEl>
                                           </p:spTgt>
                                         </p:tgtEl>
@@ -30039,7 +30179,7 @@
                                         <p:tgtEl>
                                           <p:spTgt spid="4">
                                             <p:txEl>
-                                              <p:pRg st="10" end="10"/>
+                                              <p:pRg st="9" end="9"/>
                                             </p:txEl>
                                           </p:spTgt>
                                         </p:tgtEl>
@@ -30088,7 +30228,7 @@
                                         <p:tgtEl>
                                           <p:spTgt spid="4">
                                             <p:txEl>
-                                              <p:pRg st="11" end="11"/>
+                                              <p:pRg st="10" end="10"/>
                                             </p:txEl>
                                           </p:spTgt>
                                         </p:tgtEl>
@@ -30137,7 +30277,7 @@
                                         <p:tgtEl>
                                           <p:spTgt spid="4">
                                             <p:txEl>
-                                              <p:pRg st="12" end="12"/>
+                                              <p:pRg st="11" end="11"/>
                                             </p:txEl>
                                           </p:spTgt>
                                         </p:tgtEl>
@@ -30186,105 +30326,7 @@
                                         <p:tgtEl>
                                           <p:spTgt spid="4">
                                             <p:txEl>
-                                              <p:pRg st="13" end="13"/>
-                                            </p:txEl>
-                                          </p:spTgt>
-                                        </p:tgtEl>
-                                        <p:attrNameLst>
-                                          <p:attrName>style.visibility</p:attrName>
-                                        </p:attrNameLst>
-                                      </p:cBhvr>
-                                      <p:to>
-                                        <p:strVal val="visible"/>
-                                      </p:to>
-                                    </p:set>
-                                  </p:childTnLst>
-                                </p:cTn>
-                              </p:par>
-                            </p:childTnLst>
-                          </p:cTn>
-                        </p:par>
-                      </p:childTnLst>
-                    </p:cTn>
-                  </p:par>
-                  <p:par>
-                    <p:cTn id="51" fill="hold">
-                      <p:stCondLst>
-                        <p:cond delay="indefinite"/>
-                      </p:stCondLst>
-                      <p:childTnLst>
-                        <p:par>
-                          <p:cTn id="52" fill="hold">
-                            <p:stCondLst>
-                              <p:cond delay="0"/>
-                            </p:stCondLst>
-                            <p:childTnLst>
-                              <p:par>
-                                <p:cTn id="53" presetID="1" presetClass="entr" presetSubtype="0" fill="hold" nodeType="clickEffect">
-                                  <p:stCondLst>
-                                    <p:cond delay="0"/>
-                                  </p:stCondLst>
-                                  <p:childTnLst>
-                                    <p:set>
-                                      <p:cBhvr>
-                                        <p:cTn id="54" dur="1" fill="hold">
-                                          <p:stCondLst>
-                                            <p:cond delay="0"/>
-                                          </p:stCondLst>
-                                        </p:cTn>
-                                        <p:tgtEl>
-                                          <p:spTgt spid="4">
-                                            <p:txEl>
-                                              <p:pRg st="14" end="14"/>
-                                            </p:txEl>
-                                          </p:spTgt>
-                                        </p:tgtEl>
-                                        <p:attrNameLst>
-                                          <p:attrName>style.visibility</p:attrName>
-                                        </p:attrNameLst>
-                                      </p:cBhvr>
-                                      <p:to>
-                                        <p:strVal val="visible"/>
-                                      </p:to>
-                                    </p:set>
-                                  </p:childTnLst>
-                                </p:cTn>
-                              </p:par>
-                            </p:childTnLst>
-                          </p:cTn>
-                        </p:par>
-                      </p:childTnLst>
-                    </p:cTn>
-                  </p:par>
-                  <p:par>
-                    <p:cTn id="55" fill="hold">
-                      <p:stCondLst>
-                        <p:cond delay="indefinite"/>
-                      </p:stCondLst>
-                      <p:childTnLst>
-                        <p:par>
-                          <p:cTn id="56" fill="hold">
-                            <p:stCondLst>
-                              <p:cond delay="0"/>
-                            </p:stCondLst>
-                            <p:childTnLst>
-                              <p:par>
-                                <p:cTn id="57" presetID="1" presetClass="entr" presetSubtype="0" fill="hold" nodeType="clickEffect">
-                                  <p:stCondLst>
-                                    <p:cond delay="0"/>
-                                  </p:stCondLst>
-                                  <p:childTnLst>
-                                    <p:set>
-                                      <p:cBhvr>
-                                        <p:cTn id="58" dur="1" fill="hold">
-                                          <p:stCondLst>
-                                            <p:cond delay="0"/>
-                                          </p:stCondLst>
-                                        </p:cTn>
-                                        <p:tgtEl>
-                                          <p:spTgt spid="4">
-                                            <p:txEl>
-                                              <p:pRg st="15" end="15"/>
+                                              <p:pRg st="12" end="12"/>
                                             </p:txEl>
                                           </p:spTgt>
                                         </p:tgtEl>
@@ -33526,6 +33568,30 @@
           </a:p>
           <a:p>
             <a:pPr algn="l"/>
+            <a:r>
+              <a:rPr lang="en-US" sz="1800" b="1">
+                <a:sym typeface="Wingdings" pitchFamily="2" charset="2"/>
+              </a:rPr>
+              <a:t>New casting rule</a:t>
+            </a:r>
+          </a:p>
+          <a:p>
+            <a:pPr algn="l"/>
+            <a:r>
+              <a:rPr lang="en-US" sz="1800">
+                <a:sym typeface="Wingdings" pitchFamily="2" charset="2"/>
+              </a:rPr>
+              <a:t>- We can cast a "long" into ...</a:t>
+            </a:r>
+          </a:p>
+          <a:p>
+            <a:pPr algn="l"/>
+            <a:endParaRPr lang="en-US" sz="1800">
+              <a:sym typeface="Wingdings" pitchFamily="2" charset="2"/>
+            </a:endParaRPr>
+          </a:p>
+          <a:p>
+            <a:pPr algn="l"/>
             <a:endParaRPr lang="en-US" sz="1800">
               <a:sym typeface="Wingdings" pitchFamily="2" charset="2"/>
             </a:endParaRPr>
@@ -33775,6 +33841,104 @@
                                           <p:spTgt spid="4">
                                             <p:txEl>
                                               <p:pRg st="5" end="5"/>
+                                            </p:txEl>
+                                          </p:spTgt>
+                                        </p:tgtEl>
+                                        <p:attrNameLst>
+                                          <p:attrName>style.visibility</p:attrName>
+                                        </p:attrNameLst>
+                                      </p:cBhvr>
+                                      <p:to>
+                                        <p:strVal val="visible"/>
+                                      </p:to>
+                                    </p:set>
+                                  </p:childTnLst>
+                                </p:cTn>
+                              </p:par>
+                            </p:childTnLst>
+                          </p:cTn>
+                        </p:par>
+                      </p:childTnLst>
+                    </p:cTn>
+                  </p:par>
+                  <p:par>
+                    <p:cTn id="23" fill="hold">
+                      <p:stCondLst>
+                        <p:cond delay="indefinite"/>
+                      </p:stCondLst>
+                      <p:childTnLst>
+                        <p:par>
+                          <p:cTn id="24" fill="hold">
+                            <p:stCondLst>
+                              <p:cond delay="0"/>
+                            </p:stCondLst>
+                            <p:childTnLst>
+                              <p:par>
+                                <p:cTn id="25" presetID="1" presetClass="entr" presetSubtype="0" fill="hold" nodeType="clickEffect">
+                                  <p:stCondLst>
+                                    <p:cond delay="0"/>
+                                  </p:stCondLst>
+                                  <p:childTnLst>
+                                    <p:set>
+                                      <p:cBhvr>
+                                        <p:cTn id="26" dur="1" fill="hold">
+                                          <p:stCondLst>
+                                            <p:cond delay="0"/>
+                                          </p:stCondLst>
+                                        </p:cTn>
+                                        <p:tgtEl>
+                                          <p:spTgt spid="4">
+                                            <p:txEl>
+                                              <p:pRg st="6" end="6"/>
+                                            </p:txEl>
+                                          </p:spTgt>
+                                        </p:tgtEl>
+                                        <p:attrNameLst>
+                                          <p:attrName>style.visibility</p:attrName>
+                                        </p:attrNameLst>
+                                      </p:cBhvr>
+                                      <p:to>
+                                        <p:strVal val="visible"/>
+                                      </p:to>
+                                    </p:set>
+                                  </p:childTnLst>
+                                </p:cTn>
+                              </p:par>
+                            </p:childTnLst>
+                          </p:cTn>
+                        </p:par>
+                      </p:childTnLst>
+                    </p:cTn>
+                  </p:par>
+                  <p:par>
+                    <p:cTn id="27" fill="hold">
+                      <p:stCondLst>
+                        <p:cond delay="indefinite"/>
+                      </p:stCondLst>
+                      <p:childTnLst>
+                        <p:par>
+                          <p:cTn id="28" fill="hold">
+                            <p:stCondLst>
+                              <p:cond delay="0"/>
+                            </p:stCondLst>
+                            <p:childTnLst>
+                              <p:par>
+                                <p:cTn id="29" presetID="1" presetClass="entr" presetSubtype="0" fill="hold" nodeType="clickEffect">
+                                  <p:stCondLst>
+                                    <p:cond delay="0"/>
+                                  </p:stCondLst>
+                                  <p:childTnLst>
+                                    <p:set>
+                                      <p:cBhvr>
+                                        <p:cTn id="30" dur="1" fill="hold">
+                                          <p:stCondLst>
+                                            <p:cond delay="0"/>
+                                          </p:stCondLst>
+                                        </p:cTn>
+                                        <p:tgtEl>
+                                          <p:spTgt spid="4">
+                                            <p:txEl>
+                                              <p:pRg st="7" end="7"/>
                                             </p:txEl>
                                           </p:spTgt>
                                         </p:tgtEl>
